--- a/Sơ đồ class.pptx
+++ b/Sơ đồ class.pptx
@@ -245,7 +245,7 @@
           <a:p>
             <a:fld id="{87378044-90D4-474C-A920-F5BD6AEA267A}" type="datetimeFigureOut">
               <a:rPr lang="vi-VN" smtClean="0"/>
-              <a:t>17/11/2021</a:t>
+              <a:t>18/11/2021</a:t>
             </a:fld>
             <a:endParaRPr lang="vi-VN"/>
           </a:p>
@@ -415,7 +415,7 @@
           <a:p>
             <a:fld id="{87378044-90D4-474C-A920-F5BD6AEA267A}" type="datetimeFigureOut">
               <a:rPr lang="vi-VN" smtClean="0"/>
-              <a:t>17/11/2021</a:t>
+              <a:t>18/11/2021</a:t>
             </a:fld>
             <a:endParaRPr lang="vi-VN"/>
           </a:p>
@@ -595,7 +595,7 @@
           <a:p>
             <a:fld id="{87378044-90D4-474C-A920-F5BD6AEA267A}" type="datetimeFigureOut">
               <a:rPr lang="vi-VN" smtClean="0"/>
-              <a:t>17/11/2021</a:t>
+              <a:t>18/11/2021</a:t>
             </a:fld>
             <a:endParaRPr lang="vi-VN"/>
           </a:p>
@@ -765,7 +765,7 @@
           <a:p>
             <a:fld id="{87378044-90D4-474C-A920-F5BD6AEA267A}" type="datetimeFigureOut">
               <a:rPr lang="vi-VN" smtClean="0"/>
-              <a:t>17/11/2021</a:t>
+              <a:t>18/11/2021</a:t>
             </a:fld>
             <a:endParaRPr lang="vi-VN"/>
           </a:p>
@@ -1011,7 +1011,7 @@
           <a:p>
             <a:fld id="{87378044-90D4-474C-A920-F5BD6AEA267A}" type="datetimeFigureOut">
               <a:rPr lang="vi-VN" smtClean="0"/>
-              <a:t>17/11/2021</a:t>
+              <a:t>18/11/2021</a:t>
             </a:fld>
             <a:endParaRPr lang="vi-VN"/>
           </a:p>
@@ -1243,7 +1243,7 @@
           <a:p>
             <a:fld id="{87378044-90D4-474C-A920-F5BD6AEA267A}" type="datetimeFigureOut">
               <a:rPr lang="vi-VN" smtClean="0"/>
-              <a:t>17/11/2021</a:t>
+              <a:t>18/11/2021</a:t>
             </a:fld>
             <a:endParaRPr lang="vi-VN"/>
           </a:p>
@@ -1610,7 +1610,7 @@
           <a:p>
             <a:fld id="{87378044-90D4-474C-A920-F5BD6AEA267A}" type="datetimeFigureOut">
               <a:rPr lang="vi-VN" smtClean="0"/>
-              <a:t>17/11/2021</a:t>
+              <a:t>18/11/2021</a:t>
             </a:fld>
             <a:endParaRPr lang="vi-VN"/>
           </a:p>
@@ -1728,7 +1728,7 @@
           <a:p>
             <a:fld id="{87378044-90D4-474C-A920-F5BD6AEA267A}" type="datetimeFigureOut">
               <a:rPr lang="vi-VN" smtClean="0"/>
-              <a:t>17/11/2021</a:t>
+              <a:t>18/11/2021</a:t>
             </a:fld>
             <a:endParaRPr lang="vi-VN"/>
           </a:p>
@@ -1823,7 +1823,7 @@
           <a:p>
             <a:fld id="{87378044-90D4-474C-A920-F5BD6AEA267A}" type="datetimeFigureOut">
               <a:rPr lang="vi-VN" smtClean="0"/>
-              <a:t>17/11/2021</a:t>
+              <a:t>18/11/2021</a:t>
             </a:fld>
             <a:endParaRPr lang="vi-VN"/>
           </a:p>
@@ -2100,7 +2100,7 @@
           <a:p>
             <a:fld id="{87378044-90D4-474C-A920-F5BD6AEA267A}" type="datetimeFigureOut">
               <a:rPr lang="vi-VN" smtClean="0"/>
-              <a:t>17/11/2021</a:t>
+              <a:t>18/11/2021</a:t>
             </a:fld>
             <a:endParaRPr lang="vi-VN"/>
           </a:p>
@@ -2353,7 +2353,7 @@
           <a:p>
             <a:fld id="{87378044-90D4-474C-A920-F5BD6AEA267A}" type="datetimeFigureOut">
               <a:rPr lang="vi-VN" smtClean="0"/>
-              <a:t>17/11/2021</a:t>
+              <a:t>18/11/2021</a:t>
             </a:fld>
             <a:endParaRPr lang="vi-VN"/>
           </a:p>
@@ -2566,7 +2566,7 @@
           <a:p>
             <a:fld id="{87378044-90D4-474C-A920-F5BD6AEA267A}" type="datetimeFigureOut">
               <a:rPr lang="vi-VN" smtClean="0"/>
-              <a:t>17/11/2021</a:t>
+              <a:t>18/11/2021</a:t>
             </a:fld>
             <a:endParaRPr lang="vi-VN"/>
           </a:p>
@@ -4003,11 +4003,7 @@
                       </a:pPr>
                       <a:r>
                         <a:rPr lang="en-US" smtClean="0"/>
-                        <a:t>- </a:t>
-                      </a:r>
-                      <a:r>
-                        <a:rPr lang="en-US" smtClean="0"/>
-                        <a:t>coordinatesY :</a:t>
+                        <a:t>- coordinatesY :</a:t>
                       </a:r>
                       <a:r>
                         <a:rPr lang="en-US" baseline="0" smtClean="0"/>
@@ -4021,11 +4017,7 @@
                       </a:pPr>
                       <a:r>
                         <a:rPr lang="en-US" baseline="0" smtClean="0"/>
-                        <a:t>- </a:t>
-                      </a:r>
-                      <a:r>
-                        <a:rPr lang="en-US" baseline="0" smtClean="0"/>
-                        <a:t>orient : int</a:t>
+                        <a:t>- orient : int</a:t>
                       </a:r>
                     </a:p>
                     <a:p>
@@ -4035,11 +4027,7 @@
                       </a:pPr>
                       <a:r>
                         <a:rPr lang="en-US" baseline="0" smtClean="0"/>
-                        <a:t>- </a:t>
-                      </a:r>
-                      <a:r>
-                        <a:rPr lang="en-US" baseline="0" smtClean="0"/>
-                        <a:t>speed : int</a:t>
+                        <a:t>- speed : int</a:t>
                       </a:r>
                     </a:p>
                     <a:p>
@@ -4049,11 +4037,7 @@
                       </a:pPr>
                       <a:r>
                         <a:rPr lang="en-US" baseline="0" smtClean="0"/>
-                        <a:t>- </a:t>
-                      </a:r>
-                      <a:r>
-                        <a:rPr lang="en-US" baseline="0" smtClean="0"/>
-                        <a:t>flameLength : int</a:t>
+                        <a:t>- flameLength : int</a:t>
                       </a:r>
                     </a:p>
                     <a:p>
@@ -4063,11 +4047,7 @@
                       </a:pPr>
                       <a:r>
                         <a:rPr lang="en-US" baseline="0" smtClean="0"/>
-                        <a:t>- </a:t>
-                      </a:r>
-                      <a:r>
-                        <a:rPr lang="en-US" baseline="0" smtClean="0"/>
-                        <a:t>numberBomb : int</a:t>
+                        <a:t>- numberBomb : int</a:t>
                       </a:r>
                       <a:endParaRPr lang="en-US" smtClean="0"/>
                     </a:p>
@@ -4091,11 +4071,7 @@
                       </a:pPr>
                       <a:r>
                         <a:rPr lang="en-US" smtClean="0"/>
-                        <a:t>- </a:t>
-                      </a:r>
-                      <a:r>
-                        <a:rPr lang="en-US" smtClean="0"/>
-                        <a:t>Image</a:t>
+                        <a:t>- Image</a:t>
                       </a:r>
                       <a:r>
                         <a:rPr lang="en-US" baseline="0" smtClean="0"/>
@@ -4154,11 +4130,7 @@
                       </a:pPr>
                       <a:r>
                         <a:rPr lang="en-US" baseline="0" smtClean="0"/>
-                        <a:t>- </a:t>
-                      </a:r>
-                      <a:r>
-                        <a:rPr lang="en-US" baseline="0" smtClean="0"/>
-                        <a:t>symbol : String</a:t>
+                        <a:t>- symbol : String</a:t>
                       </a:r>
                       <a:endParaRPr lang="vi-VN" baseline="-25000" smtClean="0"/>
                     </a:p>
@@ -4408,11 +4380,7 @@
                       </a:pPr>
                       <a:r>
                         <a:rPr lang="en-US" baseline="0" smtClean="0"/>
-                        <a:t>- </a:t>
-                      </a:r>
-                      <a:r>
-                        <a:rPr lang="en-US" baseline="0" smtClean="0"/>
-                        <a:t>orient : int</a:t>
+                        <a:t>- orient : int</a:t>
                       </a:r>
                     </a:p>
                     <a:p>
@@ -4422,11 +4390,7 @@
                       </a:pPr>
                       <a:r>
                         <a:rPr lang="en-US" baseline="0" smtClean="0"/>
-                        <a:t>- </a:t>
-                      </a:r>
-                      <a:r>
-                        <a:rPr lang="en-US" baseline="0" smtClean="0"/>
-                        <a:t>speed : int</a:t>
+                        <a:t>- speed : int</a:t>
                       </a:r>
                     </a:p>
                     <a:p>
@@ -4449,11 +4413,7 @@
                       </a:pPr>
                       <a:r>
                         <a:rPr lang="en-US" smtClean="0"/>
-                        <a:t>- </a:t>
-                      </a:r>
-                      <a:r>
-                        <a:rPr lang="en-US" smtClean="0"/>
-                        <a:t>Image</a:t>
+                        <a:t>- Image</a:t>
                       </a:r>
                       <a:r>
                         <a:rPr lang="en-US" baseline="0" smtClean="0"/>
@@ -4656,19 +4616,11 @@
                       </a:r>
                       <a:r>
                         <a:rPr lang="en-US" smtClean="0"/>
-                        <a:t>Portal</a:t>
-                      </a:r>
-                      <a:r>
-                        <a:rPr lang="en-US" smtClean="0"/>
-                        <a:t>, Brick, Wall,</a:t>
-                      </a:r>
-                      <a:r>
-                        <a:rPr lang="en-US" baseline="0" smtClean="0"/>
-                        <a:t> </a:t>
-                      </a:r>
-                      <a:r>
-                        <a:rPr lang="en-US" baseline="0" smtClean="0"/>
-                        <a:t>Grass, Item</a:t>
+                        <a:t>Portal, Brick, Wall,</a:t>
+                      </a:r>
+                      <a:r>
+                        <a:rPr lang="en-US" baseline="0" smtClean="0"/>
+                        <a:t> Grass, Item</a:t>
                       </a:r>
                       <a:endParaRPr lang="vi-VN"/>
                     </a:p>
@@ -5447,14 +5399,14 @@
           <p:nvPr>
             <p:extLst>
               <p:ext uri="{D42A27DB-BD31-4B8C-83A1-F6EECF244321}">
-                <p14:modId xmlns:p14="http://schemas.microsoft.com/office/powerpoint/2010/main" val="160991564"/>
+                <p14:modId xmlns:p14="http://schemas.microsoft.com/office/powerpoint/2010/main" val="1285000209"/>
               </p:ext>
             </p:extLst>
           </p:nvPr>
         </p:nvGraphicFramePr>
         <p:xfrm>
           <a:off x="31750" y="88900"/>
-          <a:ext cx="3695700" cy="1920240"/>
+          <a:ext cx="3695700" cy="2194560"/>
         </p:xfrm>
         <a:graphic>
           <a:graphicData uri="http://schemas.openxmlformats.org/drawingml/2006/table">
@@ -5581,11 +5533,7 @@
                       </a:r>
                       <a:r>
                         <a:rPr lang="en-US" baseline="0" smtClean="0"/>
-                        <a:t> : </a:t>
-                      </a:r>
-                      <a:r>
-                        <a:rPr lang="en-US" baseline="0" smtClean="0"/>
-                        <a:t>String</a:t>
+                        <a:t> : String</a:t>
                       </a:r>
                     </a:p>
                     <a:p>
@@ -5608,9 +5556,31 @@
                       </a:pPr>
                       <a:r>
                         <a:rPr lang="en-US" baseline="0" smtClean="0"/>
+                        <a:t>- const IMAGE_SOURCE [String]</a:t>
+                      </a:r>
+                    </a:p>
+                    <a:p>
+                      <a:pPr marL="0" marR="0" lvl="0" indent="0" algn="l" defTabSz="914400" rtl="0" eaLnBrk="1" fontAlgn="auto" latinLnBrk="0" hangingPunct="1">
+                        <a:lnSpc>
+                          <a:spcPct val="100000"/>
+                        </a:lnSpc>
+                        <a:spcBef>
+                          <a:spcPts val="0"/>
+                        </a:spcBef>
+                        <a:spcAft>
+                          <a:spcPts val="0"/>
+                        </a:spcAft>
+                        <a:buClrTx/>
+                        <a:buSzTx/>
+                        <a:buFontTx/>
+                        <a:buNone/>
+                        <a:tabLst/>
+                        <a:defRPr/>
+                      </a:pPr>
+                      <a:r>
+                        <a:rPr lang="en-US" baseline="0" smtClean="0"/>
                         <a:t>- timeBoom : int</a:t>
                       </a:r>
-                      <a:endParaRPr lang="en-US" baseline="0" smtClean="0"/>
                     </a:p>
                   </a:txBody>
                   <a:tcPr/>
